--- a/example/brain_tumor_data.pptx
+++ b/example/brain_tumor_data.pptx
@@ -3142,7 +3142,7 @@
           <p:spPr>
             <a:xfrm>
               <a:off x="10171852" y="4572000"/>
-              <a:ext cx="1160895" cy="400110"/>
+              <a:ext cx="1204789" cy="345341"/>
             </a:xfrm>
             <a:prstGeom prst="rect">
               <a:avLst/>
@@ -3156,8 +3156,12 @@
             <a:lstStyle/>
             <a:p>
               <a:r>
-                <a:rPr lang="en-US" sz="2000" dirty="0" smtClean="0"/>
-                <a:t>All tumor</a:t>
+                <a:rPr lang="en-US" sz="2000" smtClean="0"/>
+                <a:t>All </a:t>
+              </a:r>
+              <a:r>
+                <a:rPr lang="en-US" sz="2000" smtClean="0"/>
+                <a:t>tumors</a:t>
               </a:r>
               <a:endParaRPr lang="en-US" sz="2000" dirty="0"/>
             </a:p>
